--- a/Curso Python_clase 3.pptx
+++ b/Curso Python_clase 3.pptx
@@ -5,10 +5,10 @@
     <p:sldMasterId id="2147483648" r:id="rId1"/>
   </p:sldMasterIdLst>
   <p:notesMasterIdLst>
-    <p:notesMasterId r:id="rId28"/>
+    <p:notesMasterId r:id="rId27"/>
   </p:notesMasterIdLst>
   <p:handoutMasterIdLst>
-    <p:handoutMasterId r:id="rId29"/>
+    <p:handoutMasterId r:id="rId28"/>
   </p:handoutMasterIdLst>
   <p:sldIdLst>
     <p:sldId id="508" r:id="rId2"/>
@@ -36,7 +36,6 @@
     <p:sldId id="505" r:id="rId24"/>
     <p:sldId id="506" r:id="rId25"/>
     <p:sldId id="507" r:id="rId26"/>
-    <p:sldId id="499" r:id="rId27"/>
   </p:sldIdLst>
   <p:sldSz cx="9144000" cy="6858000" type="screen4x3"/>
   <p:notesSz cx="6807200" cy="9939338"/>
@@ -237,7 +236,7 @@
             <a:fld id="{DCBB721F-10B6-48D8-B5E9-69EC16365786}" type="datetimeFigureOut">
               <a:rPr lang="es-PE" smtClean="0"/>
               <a:pPr/>
-              <a:t>21/03/2018</a:t>
+              <a:t>23/03/2018</a:t>
             </a:fld>
             <a:endParaRPr lang="es-PE"/>
           </a:p>
@@ -404,7 +403,7 @@
             <a:fld id="{A58C996E-FB25-4453-8B67-C195B763E3D8}" type="datetimeFigureOut">
               <a:rPr lang="es-PE" smtClean="0"/>
               <a:pPr/>
-              <a:t>21/03/2018</a:t>
+              <a:t>23/03/2018</a:t>
             </a:fld>
             <a:endParaRPr lang="es-PE"/>
           </a:p>
@@ -869,7 +868,7 @@
             <a:fld id="{5E7DC3C5-C09F-4CE1-A37E-33C14F8129EF}" type="datetimeFigureOut">
               <a:rPr lang="es-PE" smtClean="0"/>
               <a:pPr/>
-              <a:t>21/03/2018</a:t>
+              <a:t>23/03/2018</a:t>
             </a:fld>
             <a:endParaRPr lang="es-PE"/>
           </a:p>
@@ -1081,7 +1080,7 @@
             <a:fld id="{5E7DC3C5-C09F-4CE1-A37E-33C14F8129EF}" type="datetimeFigureOut">
               <a:rPr lang="es-PE" smtClean="0"/>
               <a:pPr/>
-              <a:t>21/03/2018</a:t>
+              <a:t>23/03/2018</a:t>
             </a:fld>
             <a:endParaRPr lang="es-PE"/>
           </a:p>
@@ -1293,7 +1292,7 @@
             <a:fld id="{5E7DC3C5-C09F-4CE1-A37E-33C14F8129EF}" type="datetimeFigureOut">
               <a:rPr lang="es-PE" smtClean="0"/>
               <a:pPr/>
-              <a:t>21/03/2018</a:t>
+              <a:t>23/03/2018</a:t>
             </a:fld>
             <a:endParaRPr lang="es-PE"/>
           </a:p>
@@ -1505,7 +1504,7 @@
             <a:fld id="{5E7DC3C5-C09F-4CE1-A37E-33C14F8129EF}" type="datetimeFigureOut">
               <a:rPr lang="es-PE" smtClean="0"/>
               <a:pPr/>
-              <a:t>21/03/2018</a:t>
+              <a:t>23/03/2018</a:t>
             </a:fld>
             <a:endParaRPr lang="es-PE"/>
           </a:p>
@@ -1783,7 +1782,7 @@
             <a:fld id="{5E7DC3C5-C09F-4CE1-A37E-33C14F8129EF}" type="datetimeFigureOut">
               <a:rPr lang="es-PE" smtClean="0"/>
               <a:pPr/>
-              <a:t>21/03/2018</a:t>
+              <a:t>23/03/2018</a:t>
             </a:fld>
             <a:endParaRPr lang="es-PE"/>
           </a:p>
@@ -2488,7 +2487,7 @@
             <a:fld id="{5E7DC3C5-C09F-4CE1-A37E-33C14F8129EF}" type="datetimeFigureOut">
               <a:rPr lang="es-PE" smtClean="0"/>
               <a:pPr/>
-              <a:t>21/03/2018</a:t>
+              <a:t>23/03/2018</a:t>
             </a:fld>
             <a:endParaRPr lang="es-PE"/>
           </a:p>
@@ -2640,7 +2639,7 @@
             <a:fld id="{5E7DC3C5-C09F-4CE1-A37E-33C14F8129EF}" type="datetimeFigureOut">
               <a:rPr lang="es-PE" smtClean="0"/>
               <a:pPr/>
-              <a:t>21/03/2018</a:t>
+              <a:t>23/03/2018</a:t>
             </a:fld>
             <a:endParaRPr lang="es-PE"/>
           </a:p>
@@ -2761,7 +2760,7 @@
             <a:fld id="{5E7DC3C5-C09F-4CE1-A37E-33C14F8129EF}" type="datetimeFigureOut">
               <a:rPr lang="es-PE" smtClean="0"/>
               <a:pPr/>
-              <a:t>21/03/2018</a:t>
+              <a:t>23/03/2018</a:t>
             </a:fld>
             <a:endParaRPr lang="es-PE"/>
           </a:p>
@@ -2882,7 +2881,7 @@
             <a:fld id="{5E7DC3C5-C09F-4CE1-A37E-33C14F8129EF}" type="datetimeFigureOut">
               <a:rPr lang="es-PE" smtClean="0"/>
               <a:pPr/>
-              <a:t>21/03/2018</a:t>
+              <a:t>23/03/2018</a:t>
             </a:fld>
             <a:endParaRPr lang="es-PE"/>
           </a:p>
@@ -3170,7 +3169,7 @@
             <a:fld id="{5E7DC3C5-C09F-4CE1-A37E-33C14F8129EF}" type="datetimeFigureOut">
               <a:rPr lang="es-PE" smtClean="0"/>
               <a:pPr/>
-              <a:t>21/03/2018</a:t>
+              <a:t>23/03/2018</a:t>
             </a:fld>
             <a:endParaRPr lang="es-PE"/>
           </a:p>
@@ -9405,7 +9404,14 @@
                 <a:latin typeface="Courier New" panose="02070309020205020404" pitchFamily="49" charset="0"/>
                 <a:cs typeface="Courier New" panose="02070309020205020404" pitchFamily="49" charset="0"/>
               </a:rPr>
-              <a:t>Class Mama():</a:t>
+              <a:t>class </a:t>
+            </a:r>
+            <a:r>
+              <a:rPr lang="en-US" sz="1400" b="1" dirty="0" smtClean="0">
+                <a:latin typeface="Courier New" panose="02070309020205020404" pitchFamily="49" charset="0"/>
+                <a:cs typeface="Courier New" panose="02070309020205020404" pitchFamily="49" charset="0"/>
+              </a:rPr>
+              <a:t>Mama():</a:t>
             </a:r>
           </a:p>
           <a:p>
@@ -9487,7 +9493,21 @@
                 <a:latin typeface="Courier New" panose="02070309020205020404" pitchFamily="49" charset="0"/>
                 <a:cs typeface="Courier New" panose="02070309020205020404" pitchFamily="49" charset="0"/>
               </a:rPr>
-              <a:t>(Papa):</a:t>
+              <a:t>(</a:t>
+            </a:r>
+            <a:r>
+              <a:rPr lang="en-US" sz="1400" b="1" dirty="0" err="1" smtClean="0">
+                <a:latin typeface="Courier New" panose="02070309020205020404" pitchFamily="49" charset="0"/>
+                <a:cs typeface="Courier New" panose="02070309020205020404" pitchFamily="49" charset="0"/>
+              </a:rPr>
+              <a:t>Papa,Mama</a:t>
+            </a:r>
+            <a:r>
+              <a:rPr lang="en-US" sz="1400" b="1" dirty="0" smtClean="0">
+                <a:latin typeface="Courier New" panose="02070309020205020404" pitchFamily="49" charset="0"/>
+                <a:cs typeface="Courier New" panose="02070309020205020404" pitchFamily="49" charset="0"/>
+              </a:rPr>
+              <a:t>):</a:t>
             </a:r>
             <a:endParaRPr lang="en-US" sz="1400" b="1" dirty="0">
               <a:latin typeface="Courier New" panose="02070309020205020404" pitchFamily="49" charset="0"/>
@@ -10360,49 +10380,57 @@
           </a:p>
           <a:p>
             <a:r>
-              <a:rPr lang="en-US" sz="1400" b="1" dirty="0">
+              <a:rPr lang="en-US" sz="1400" b="1" dirty="0" smtClean="0">
                 <a:latin typeface="Courier New" panose="02070309020205020404" pitchFamily="49" charset="0"/>
                 <a:cs typeface="Courier New" panose="02070309020205020404" pitchFamily="49" charset="0"/>
               </a:rPr>
               <a:t>print(</a:t>
             </a:r>
             <a:r>
-              <a:rPr lang="en-US" sz="1400" b="1" dirty="0" err="1">
-                <a:latin typeface="Courier New" panose="02070309020205020404" pitchFamily="49" charset="0"/>
-                <a:cs typeface="Courier New" panose="02070309020205020404" pitchFamily="49" charset="0"/>
-              </a:rPr>
-              <a:t>niko.speak</a:t>
-            </a:r>
-            <a:r>
-              <a:rPr lang="en-US" sz="1400" b="1" dirty="0">
+              <a:rPr lang="en-US" sz="1400" b="1" dirty="0" err="1" smtClean="0">
+                <a:latin typeface="Courier New" panose="02070309020205020404" pitchFamily="49" charset="0"/>
+                <a:cs typeface="Courier New" panose="02070309020205020404" pitchFamily="49" charset="0"/>
+              </a:rPr>
+              <a:t>niko.habla</a:t>
+            </a:r>
+            <a:r>
+              <a:rPr lang="en-US" sz="1400" b="1" dirty="0" smtClean="0">
                 <a:latin typeface="Courier New" panose="02070309020205020404" pitchFamily="49" charset="0"/>
                 <a:cs typeface="Courier New" panose="02070309020205020404" pitchFamily="49" charset="0"/>
               </a:rPr>
               <a:t>())</a:t>
             </a:r>
-          </a:p>
-          <a:p>
-            <a:r>
-              <a:rPr lang="en-US" sz="1400" b="1" dirty="0">
+            <a:endParaRPr lang="en-US" sz="1400" b="1" dirty="0">
+              <a:latin typeface="Courier New" panose="02070309020205020404" pitchFamily="49" charset="0"/>
+              <a:cs typeface="Courier New" panose="02070309020205020404" pitchFamily="49" charset="0"/>
+            </a:endParaRPr>
+          </a:p>
+          <a:p>
+            <a:r>
+              <a:rPr lang="en-US" sz="1400" b="1" dirty="0" smtClean="0">
                 <a:latin typeface="Courier New" panose="02070309020205020404" pitchFamily="49" charset="0"/>
                 <a:cs typeface="Courier New" panose="02070309020205020404" pitchFamily="49" charset="0"/>
               </a:rPr>
               <a:t>print(</a:t>
             </a:r>
             <a:r>
-              <a:rPr lang="en-US" sz="1400" b="1" dirty="0" err="1">
-                <a:latin typeface="Courier New" panose="02070309020205020404" pitchFamily="49" charset="0"/>
-                <a:cs typeface="Courier New" panose="02070309020205020404" pitchFamily="49" charset="0"/>
-              </a:rPr>
-              <a:t>felix.speak</a:t>
-            </a:r>
-            <a:r>
-              <a:rPr lang="en-US" sz="1400" b="1" dirty="0">
+              <a:rPr lang="en-US" sz="1400" b="1" dirty="0" err="1" smtClean="0">
+                <a:latin typeface="Courier New" panose="02070309020205020404" pitchFamily="49" charset="0"/>
+                <a:cs typeface="Courier New" panose="02070309020205020404" pitchFamily="49" charset="0"/>
+              </a:rPr>
+              <a:t>felix.habla</a:t>
+            </a:r>
+            <a:r>
+              <a:rPr lang="en-US" sz="1400" b="1" dirty="0" smtClean="0">
                 <a:latin typeface="Courier New" panose="02070309020205020404" pitchFamily="49" charset="0"/>
                 <a:cs typeface="Courier New" panose="02070309020205020404" pitchFamily="49" charset="0"/>
               </a:rPr>
               <a:t>())</a:t>
             </a:r>
+            <a:endParaRPr lang="en-US" sz="1400" b="1" dirty="0">
+              <a:latin typeface="Courier New" panose="02070309020205020404" pitchFamily="49" charset="0"/>
+              <a:cs typeface="Courier New" panose="02070309020205020404" pitchFamily="49" charset="0"/>
+            </a:endParaRPr>
           </a:p>
         </p:txBody>
       </p:sp>
@@ -11083,39 +11111,6 @@
               <a:buNone/>
             </a:pPr>
             <a:endParaRPr lang="es-PE" sz="2000" dirty="0"/>
-          </a:p>
-          <a:p>
-            <a:pPr marL="0" indent="0" algn="just">
-              <a:buNone/>
-            </a:pPr>
-            <a:r>
-              <a:rPr lang="es-PE" sz="2000" dirty="0" smtClean="0"/>
-              <a:t>Acá obtenemos un </a:t>
-            </a:r>
-            <a:r>
-              <a:rPr lang="es-PE" sz="2000" dirty="0" err="1" smtClean="0"/>
-              <a:t>SyntaxError</a:t>
-            </a:r>
-            <a:r>
-              <a:rPr lang="es-PE" sz="2000" dirty="0" smtClean="0"/>
-              <a:t>, con una breve descripción del problema que se encontraba en EOL (</a:t>
-            </a:r>
-            <a:r>
-              <a:rPr lang="es-PE" sz="2000" dirty="0" err="1" smtClean="0"/>
-              <a:t>End</a:t>
-            </a:r>
-            <a:r>
-              <a:rPr lang="es-PE" sz="2000" dirty="0" smtClean="0"/>
-              <a:t> Of Line) mientras escaneaba la cadena de texto. Este error es suficiente para darnos cuenta de donde esta el problema, también nos indica el numero de línea donde ocurre, entonces sabemos que nos falto una comilla simple al final de la línea. Aprendiendo a identificar los erros ayudara para saber </a:t>
-            </a:r>
-            <a:r>
-              <a:rPr lang="es-PE" sz="2000" dirty="0" err="1" smtClean="0"/>
-              <a:t>debugear</a:t>
-            </a:r>
-            <a:r>
-              <a:rPr lang="es-PE" sz="2000" dirty="0" smtClean="0"/>
-              <a:t> el código mas rápido.</a:t>
-            </a:r>
           </a:p>
           <a:p>
             <a:pPr marL="0" indent="0" algn="just">
@@ -15728,87 +15723,6 @@
       <p:bldP spid="10" grpId="0" animBg="1"/>
       <p:bldP spid="9" grpId="0" animBg="1"/>
     </p:bldLst>
-  </p:timing>
-</p:sld>
-</file>
-
-<file path=ppt/slides/slide26.xml><?xml version="1.0" encoding="utf-8"?>
-<p:sld xmlns:a="http://schemas.openxmlformats.org/drawingml/2006/main" xmlns:r="http://schemas.openxmlformats.org/officeDocument/2006/relationships" xmlns:p="http://schemas.openxmlformats.org/presentationml/2006/main">
-  <p:cSld>
-    <p:spTree>
-      <p:nvGrpSpPr>
-        <p:cNvPr id="1" name=""/>
-        <p:cNvGrpSpPr/>
-        <p:nvPr/>
-      </p:nvGrpSpPr>
-      <p:grpSpPr>
-        <a:xfrm>
-          <a:off x="0" y="0"/>
-          <a:ext cx="0" cy="0"/>
-          <a:chOff x="0" y="0"/>
-          <a:chExt cx="0" cy="0"/>
-        </a:xfrm>
-      </p:grpSpPr>
-      <p:sp>
-        <p:nvSpPr>
-          <p:cNvPr id="4" name="Título 1"/>
-          <p:cNvSpPr txBox="1">
-            <a:spLocks/>
-          </p:cNvSpPr>
-          <p:nvPr/>
-        </p:nvSpPr>
-        <p:spPr>
-          <a:xfrm>
-            <a:off x="546575" y="548680"/>
-            <a:ext cx="8229600" cy="706090"/>
-          </a:xfrm>
-          <a:prstGeom prst="rect">
-            <a:avLst/>
-          </a:prstGeom>
-        </p:spPr>
-        <p:txBody>
-          <a:bodyPr/>
-          <a:lstStyle>
-            <a:lvl1pPr algn="ctr" defTabSz="914400" rtl="0" eaLnBrk="1" latinLnBrk="0" hangingPunct="1">
-              <a:spcBef>
-                <a:spcPct val="0"/>
-              </a:spcBef>
-              <a:buNone/>
-              <a:defRPr sz="4400" kern="1200">
-                <a:solidFill>
-                  <a:schemeClr val="tx1"/>
-                </a:solidFill>
-                <a:latin typeface="+mj-lt"/>
-                <a:ea typeface="+mj-ea"/>
-                <a:cs typeface="+mj-cs"/>
-              </a:defRPr>
-            </a:lvl1pPr>
-          </a:lstStyle>
-          <a:p>
-            <a:r>
-              <a:rPr lang="es-PE" sz="4000" smtClean="0"/>
-              <a:t>Errores y Excepciones</a:t>
-            </a:r>
-            <a:endParaRPr lang="es-PE" sz="4000" dirty="0"/>
-          </a:p>
-        </p:txBody>
-      </p:sp>
-    </p:spTree>
-    <p:extLst>
-      <p:ext uri="{BB962C8B-B14F-4D97-AF65-F5344CB8AC3E}">
-        <p14:creationId xmlns:p14="http://schemas.microsoft.com/office/powerpoint/2010/main" val="421723120"/>
-      </p:ext>
-    </p:extLst>
-  </p:cSld>
-  <p:clrMapOvr>
-    <a:masterClrMapping/>
-  </p:clrMapOvr>
-  <p:timing>
-    <p:tnLst>
-      <p:par>
-        <p:cTn id="1" dur="indefinite" restart="never" nodeType="tmRoot"/>
-      </p:par>
-    </p:tnLst>
   </p:timing>
 </p:sld>
 </file>
